--- a/Loan Default Risk (FINAL).pptx
+++ b/Loan Default Risk (FINAL).pptx
@@ -9955,7 +9955,12 @@
             <p:ph type="body" sz="quarter" idx="10"/>
           </p:nvPr>
         </p:nvSpPr>
-        <p:spPr/>
+        <p:spPr>
+          <a:xfrm>
+            <a:off x="-36512" y="190322"/>
+            <a:ext cx="9144000" cy="576064"/>
+          </a:xfrm>
+        </p:spPr>
         <p:txBody>
           <a:bodyPr/>
           <a:lstStyle/>
@@ -15574,7 +15579,7 @@
           <p:nvPr>
             <p:extLst>
               <p:ext uri="{D42A27DB-BD31-4B8C-83A1-F6EECF244321}">
-                <p14:modId xmlns:p14="http://schemas.microsoft.com/office/powerpoint/2010/main" val="1366441127"/>
+                <p14:modId xmlns:p14="http://schemas.microsoft.com/office/powerpoint/2010/main" val="2768871768"/>
               </p:ext>
             </p:extLst>
           </p:nvPr>
@@ -15762,7 +15767,7 @@
                     <a:p>
                       <a:r>
                         <a:rPr lang="en-US" sz="1200" dirty="0"/>
-                        <a:t>Employee Length (in years)</a:t>
+                        <a:t>Employment Length (in years)</a:t>
                       </a:r>
                     </a:p>
                   </a:txBody>
